--- a/개별플젝1-ACC/시스템 구조설계.pptx
+++ b/개별플젝1-ACC/시스템 구조설계.pptx
@@ -263,7 +263,7 @@
           <a:p>
             <a:fld id="{320F397A-0CFE-4147-A48A-A47A6D94E80C}" type="datetimeFigureOut">
               <a:rPr lang="ko-KR" altLang="en-US" smtClean="0"/>
-              <a:t>2024-02-04</a:t>
+              <a:t>2024-02-05</a:t>
             </a:fld>
             <a:endParaRPr lang="ko-KR" altLang="en-US"/>
           </a:p>
@@ -461,7 +461,7 @@
           <a:p>
             <a:fld id="{320F397A-0CFE-4147-A48A-A47A6D94E80C}" type="datetimeFigureOut">
               <a:rPr lang="ko-KR" altLang="en-US" smtClean="0"/>
-              <a:t>2024-02-04</a:t>
+              <a:t>2024-02-05</a:t>
             </a:fld>
             <a:endParaRPr lang="ko-KR" altLang="en-US"/>
           </a:p>
@@ -669,7 +669,7 @@
           <a:p>
             <a:fld id="{320F397A-0CFE-4147-A48A-A47A6D94E80C}" type="datetimeFigureOut">
               <a:rPr lang="ko-KR" altLang="en-US" smtClean="0"/>
-              <a:t>2024-02-04</a:t>
+              <a:t>2024-02-05</a:t>
             </a:fld>
             <a:endParaRPr lang="ko-KR" altLang="en-US"/>
           </a:p>
@@ -867,7 +867,7 @@
           <a:p>
             <a:fld id="{320F397A-0CFE-4147-A48A-A47A6D94E80C}" type="datetimeFigureOut">
               <a:rPr lang="ko-KR" altLang="en-US" smtClean="0"/>
-              <a:t>2024-02-04</a:t>
+              <a:t>2024-02-05</a:t>
             </a:fld>
             <a:endParaRPr lang="ko-KR" altLang="en-US"/>
           </a:p>
@@ -1142,7 +1142,7 @@
           <a:p>
             <a:fld id="{320F397A-0CFE-4147-A48A-A47A6D94E80C}" type="datetimeFigureOut">
               <a:rPr lang="ko-KR" altLang="en-US" smtClean="0"/>
-              <a:t>2024-02-04</a:t>
+              <a:t>2024-02-05</a:t>
             </a:fld>
             <a:endParaRPr lang="ko-KR" altLang="en-US"/>
           </a:p>
@@ -1407,7 +1407,7 @@
           <a:p>
             <a:fld id="{320F397A-0CFE-4147-A48A-A47A6D94E80C}" type="datetimeFigureOut">
               <a:rPr lang="ko-KR" altLang="en-US" smtClean="0"/>
-              <a:t>2024-02-04</a:t>
+              <a:t>2024-02-05</a:t>
             </a:fld>
             <a:endParaRPr lang="ko-KR" altLang="en-US"/>
           </a:p>
@@ -1819,7 +1819,7 @@
           <a:p>
             <a:fld id="{320F397A-0CFE-4147-A48A-A47A6D94E80C}" type="datetimeFigureOut">
               <a:rPr lang="ko-KR" altLang="en-US" smtClean="0"/>
-              <a:t>2024-02-04</a:t>
+              <a:t>2024-02-05</a:t>
             </a:fld>
             <a:endParaRPr lang="ko-KR" altLang="en-US"/>
           </a:p>
@@ -1960,7 +1960,7 @@
           <a:p>
             <a:fld id="{320F397A-0CFE-4147-A48A-A47A6D94E80C}" type="datetimeFigureOut">
               <a:rPr lang="ko-KR" altLang="en-US" smtClean="0"/>
-              <a:t>2024-02-04</a:t>
+              <a:t>2024-02-05</a:t>
             </a:fld>
             <a:endParaRPr lang="ko-KR" altLang="en-US"/>
           </a:p>
@@ -2073,7 +2073,7 @@
           <a:p>
             <a:fld id="{320F397A-0CFE-4147-A48A-A47A6D94E80C}" type="datetimeFigureOut">
               <a:rPr lang="ko-KR" altLang="en-US" smtClean="0"/>
-              <a:t>2024-02-04</a:t>
+              <a:t>2024-02-05</a:t>
             </a:fld>
             <a:endParaRPr lang="ko-KR" altLang="en-US"/>
           </a:p>
@@ -2384,7 +2384,7 @@
           <a:p>
             <a:fld id="{320F397A-0CFE-4147-A48A-A47A6D94E80C}" type="datetimeFigureOut">
               <a:rPr lang="ko-KR" altLang="en-US" smtClean="0"/>
-              <a:t>2024-02-04</a:t>
+              <a:t>2024-02-05</a:t>
             </a:fld>
             <a:endParaRPr lang="ko-KR" altLang="en-US"/>
           </a:p>
@@ -2672,7 +2672,7 @@
           <a:p>
             <a:fld id="{320F397A-0CFE-4147-A48A-A47A6D94E80C}" type="datetimeFigureOut">
               <a:rPr lang="ko-KR" altLang="en-US" smtClean="0"/>
-              <a:t>2024-02-04</a:t>
+              <a:t>2024-02-05</a:t>
             </a:fld>
             <a:endParaRPr lang="ko-KR" altLang="en-US"/>
           </a:p>
@@ -2913,7 +2913,7 @@
           <a:p>
             <a:fld id="{320F397A-0CFE-4147-A48A-A47A6D94E80C}" type="datetimeFigureOut">
               <a:rPr lang="ko-KR" altLang="en-US" smtClean="0"/>
-              <a:t>2024-02-04</a:t>
+              <a:t>2024-02-05</a:t>
             </a:fld>
             <a:endParaRPr lang="ko-KR" altLang="en-US"/>
           </a:p>
@@ -3615,6 +3615,17 @@
               <a:t>Switch_2</a:t>
             </a:r>
           </a:p>
+          <a:p>
+            <a:pPr algn="ctr"/>
+            <a:r>
+              <a:rPr lang="en-US" altLang="ko-KR" dirty="0">
+                <a:solidFill>
+                  <a:schemeClr val="tx1"/>
+                </a:solidFill>
+              </a:rPr>
+              <a:t>Bright</a:t>
+            </a:r>
+          </a:p>
         </p:txBody>
       </p:sp>
       <p:sp>
@@ -3689,6 +3700,17 @@
                 <a:schemeClr val="tx1"/>
               </a:solidFill>
             </a:endParaRPr>
+          </a:p>
+          <a:p>
+            <a:pPr algn="ctr"/>
+            <a:r>
+              <a:rPr lang="en-US" altLang="ko-KR">
+                <a:solidFill>
+                  <a:schemeClr val="tx1"/>
+                </a:solidFill>
+              </a:rPr>
+              <a:t>RGB_LED</a:t>
+            </a:r>
           </a:p>
         </p:txBody>
       </p:sp>
